--- a/ppt 16-9/0961.在外的日子.pptx
+++ b/ppt 16-9/0961.在外的日子.pptx
@@ -5,7 +5,7 @@
     <p:sldMasterId id="2147483648" r:id="rId1"/>
   </p:sldMasterIdLst>
   <p:sldIdLst>
-    <p:sldId id="351" r:id="rId2"/>
+    <p:sldId id="353" r:id="rId2"/>
   </p:sldIdLst>
   <p:sldSz cx="12192000" cy="6858000"/>
   <p:notesSz cx="6858000" cy="9144000"/>
@@ -129,7 +129,7 @@
           <p:cNvPr id="2" name="标题 1">
             <a:extLst>
               <a:ext uri="{FF2B5EF4-FFF2-40B4-BE49-F238E27FC236}">
-                <a16:creationId xmlns:a16="http://schemas.microsoft.com/office/drawing/2014/main" id="{B7213506-7B3C-03E0-C52D-90100273EF8B}"/>
+                <a16:creationId xmlns:a16="http://schemas.microsoft.com/office/drawing/2014/main" id="{62D2D3A4-C194-CCA0-A16A-AF6F20ED2243}"/>
               </a:ext>
             </a:extLst>
           </p:cNvPr>
@@ -166,7 +166,7 @@
           <p:cNvPr id="3" name="副标题 2">
             <a:extLst>
               <a:ext uri="{FF2B5EF4-FFF2-40B4-BE49-F238E27FC236}">
-                <a16:creationId xmlns:a16="http://schemas.microsoft.com/office/drawing/2014/main" id="{3965730B-FDD6-B805-BE12-2676786282B9}"/>
+                <a16:creationId xmlns:a16="http://schemas.microsoft.com/office/drawing/2014/main" id="{CCDDEC7D-B46A-C972-F34A-15BD498A660A}"/>
               </a:ext>
             </a:extLst>
           </p:cNvPr>
@@ -236,7 +236,7 @@
           <p:cNvPr id="4" name="日期占位符 3">
             <a:extLst>
               <a:ext uri="{FF2B5EF4-FFF2-40B4-BE49-F238E27FC236}">
-                <a16:creationId xmlns:a16="http://schemas.microsoft.com/office/drawing/2014/main" id="{87665F85-781A-84F1-B58E-8DAB55D0D723}"/>
+                <a16:creationId xmlns:a16="http://schemas.microsoft.com/office/drawing/2014/main" id="{A0858E69-D187-B892-E4E2-47A5BE86C62F}"/>
               </a:ext>
             </a:extLst>
           </p:cNvPr>
@@ -252,7 +252,7 @@
           <a:bodyPr/>
           <a:lstStyle/>
           <a:p>
-            <a:fld id="{7EE4A638-3639-447F-AF04-6F6E344D4221}" type="datetimeFigureOut">
+            <a:fld id="{A1FCAE9C-E554-4B67-8113-DCD474C1539E}" type="datetimeFigureOut">
               <a:rPr lang="zh-CN" altLang="en-US" smtClean="0"/>
               <a:t>2024/3/10</a:t>
             </a:fld>
@@ -265,7 +265,7 @@
           <p:cNvPr id="5" name="页脚占位符 4">
             <a:extLst>
               <a:ext uri="{FF2B5EF4-FFF2-40B4-BE49-F238E27FC236}">
-                <a16:creationId xmlns:a16="http://schemas.microsoft.com/office/drawing/2014/main" id="{1BEAB841-EACF-C080-5B5E-6CF1743DE15B}"/>
+                <a16:creationId xmlns:a16="http://schemas.microsoft.com/office/drawing/2014/main" id="{F79AD9F3-FD80-AE45-364A-ADCDD80ADDBF}"/>
               </a:ext>
             </a:extLst>
           </p:cNvPr>
@@ -290,7 +290,7 @@
           <p:cNvPr id="6" name="灯片编号占位符 5">
             <a:extLst>
               <a:ext uri="{FF2B5EF4-FFF2-40B4-BE49-F238E27FC236}">
-                <a16:creationId xmlns:a16="http://schemas.microsoft.com/office/drawing/2014/main" id="{1213EF22-367B-EEAC-4741-8357A906B1B6}"/>
+                <a16:creationId xmlns:a16="http://schemas.microsoft.com/office/drawing/2014/main" id="{9C28F6BD-5E59-564F-91BC-55ABDD8D3828}"/>
               </a:ext>
             </a:extLst>
           </p:cNvPr>
@@ -306,7 +306,7 @@
           <a:bodyPr/>
           <a:lstStyle/>
           <a:p>
-            <a:fld id="{D7B1A191-4443-42ED-9138-4FDBE642D61A}" type="slidenum">
+            <a:fld id="{51B292CC-8258-4041-A6A4-D4EC3E2F58AA}" type="slidenum">
               <a:rPr lang="zh-CN" altLang="en-US" smtClean="0"/>
               <a:t>‹#›</a:t>
             </a:fld>
@@ -317,7 +317,7 @@
     </p:spTree>
     <p:extLst>
       <p:ext uri="{BB962C8B-B14F-4D97-AF65-F5344CB8AC3E}">
-        <p14:creationId xmlns:p14="http://schemas.microsoft.com/office/powerpoint/2010/main" val="3886333074"/>
+        <p14:creationId xmlns:p14="http://schemas.microsoft.com/office/powerpoint/2010/main" val="1316428740"/>
       </p:ext>
     </p:extLst>
   </p:cSld>
@@ -349,7 +349,7 @@
           <p:cNvPr id="2" name="标题 1">
             <a:extLst>
               <a:ext uri="{FF2B5EF4-FFF2-40B4-BE49-F238E27FC236}">
-                <a16:creationId xmlns:a16="http://schemas.microsoft.com/office/drawing/2014/main" id="{421591C2-CE03-366F-0704-F48C206DD9EB}"/>
+                <a16:creationId xmlns:a16="http://schemas.microsoft.com/office/drawing/2014/main" id="{6C7C0B98-C09E-7260-BD38-2BE78256CE81}"/>
               </a:ext>
             </a:extLst>
           </p:cNvPr>
@@ -377,7 +377,7 @@
           <p:cNvPr id="3" name="竖排文字占位符 2">
             <a:extLst>
               <a:ext uri="{FF2B5EF4-FFF2-40B4-BE49-F238E27FC236}">
-                <a16:creationId xmlns:a16="http://schemas.microsoft.com/office/drawing/2014/main" id="{07A6E001-2E30-9F8A-992A-5DAD3C4CCA65}"/>
+                <a16:creationId xmlns:a16="http://schemas.microsoft.com/office/drawing/2014/main" id="{1408823A-5A8D-62F2-46CC-225B9E3F9830}"/>
               </a:ext>
             </a:extLst>
           </p:cNvPr>
@@ -434,7 +434,7 @@
           <p:cNvPr id="4" name="日期占位符 3">
             <a:extLst>
               <a:ext uri="{FF2B5EF4-FFF2-40B4-BE49-F238E27FC236}">
-                <a16:creationId xmlns:a16="http://schemas.microsoft.com/office/drawing/2014/main" id="{CC4BF6FC-F2DA-237C-F86F-7F86AD8D20A0}"/>
+                <a16:creationId xmlns:a16="http://schemas.microsoft.com/office/drawing/2014/main" id="{3957318A-12FE-6DDF-31FE-F71BB5138553}"/>
               </a:ext>
             </a:extLst>
           </p:cNvPr>
@@ -450,7 +450,7 @@
           <a:bodyPr/>
           <a:lstStyle/>
           <a:p>
-            <a:fld id="{7EE4A638-3639-447F-AF04-6F6E344D4221}" type="datetimeFigureOut">
+            <a:fld id="{A1FCAE9C-E554-4B67-8113-DCD474C1539E}" type="datetimeFigureOut">
               <a:rPr lang="zh-CN" altLang="en-US" smtClean="0"/>
               <a:t>2024/3/10</a:t>
             </a:fld>
@@ -463,7 +463,7 @@
           <p:cNvPr id="5" name="页脚占位符 4">
             <a:extLst>
               <a:ext uri="{FF2B5EF4-FFF2-40B4-BE49-F238E27FC236}">
-                <a16:creationId xmlns:a16="http://schemas.microsoft.com/office/drawing/2014/main" id="{A305C04C-4CA6-3ADA-3F4F-03CCB6FFB8FC}"/>
+                <a16:creationId xmlns:a16="http://schemas.microsoft.com/office/drawing/2014/main" id="{708C4AA8-4E46-489F-971F-9E696A0CF19D}"/>
               </a:ext>
             </a:extLst>
           </p:cNvPr>
@@ -488,7 +488,7 @@
           <p:cNvPr id="6" name="灯片编号占位符 5">
             <a:extLst>
               <a:ext uri="{FF2B5EF4-FFF2-40B4-BE49-F238E27FC236}">
-                <a16:creationId xmlns:a16="http://schemas.microsoft.com/office/drawing/2014/main" id="{EC9C1F07-3142-20A8-0B26-DB5AC2DDB42D}"/>
+                <a16:creationId xmlns:a16="http://schemas.microsoft.com/office/drawing/2014/main" id="{A6C7D11A-AC0B-8D84-BB06-2791E07F8A14}"/>
               </a:ext>
             </a:extLst>
           </p:cNvPr>
@@ -504,7 +504,7 @@
           <a:bodyPr/>
           <a:lstStyle/>
           <a:p>
-            <a:fld id="{D7B1A191-4443-42ED-9138-4FDBE642D61A}" type="slidenum">
+            <a:fld id="{51B292CC-8258-4041-A6A4-D4EC3E2F58AA}" type="slidenum">
               <a:rPr lang="zh-CN" altLang="en-US" smtClean="0"/>
               <a:t>‹#›</a:t>
             </a:fld>
@@ -515,7 +515,7 @@
     </p:spTree>
     <p:extLst>
       <p:ext uri="{BB962C8B-B14F-4D97-AF65-F5344CB8AC3E}">
-        <p14:creationId xmlns:p14="http://schemas.microsoft.com/office/powerpoint/2010/main" val="4281129606"/>
+        <p14:creationId xmlns:p14="http://schemas.microsoft.com/office/powerpoint/2010/main" val="1494136925"/>
       </p:ext>
     </p:extLst>
   </p:cSld>
@@ -547,7 +547,7 @@
           <p:cNvPr id="2" name="竖排标题 1">
             <a:extLst>
               <a:ext uri="{FF2B5EF4-FFF2-40B4-BE49-F238E27FC236}">
-                <a16:creationId xmlns:a16="http://schemas.microsoft.com/office/drawing/2014/main" id="{5DE857E8-561E-BFA3-1FE3-EE5061A96514}"/>
+                <a16:creationId xmlns:a16="http://schemas.microsoft.com/office/drawing/2014/main" id="{C3809884-421F-8126-E99F-44DAEE8461F6}"/>
               </a:ext>
             </a:extLst>
           </p:cNvPr>
@@ -580,7 +580,7 @@
           <p:cNvPr id="3" name="竖排文字占位符 2">
             <a:extLst>
               <a:ext uri="{FF2B5EF4-FFF2-40B4-BE49-F238E27FC236}">
-                <a16:creationId xmlns:a16="http://schemas.microsoft.com/office/drawing/2014/main" id="{13F888F8-AAF6-8D75-8B15-53AE01DB8567}"/>
+                <a16:creationId xmlns:a16="http://schemas.microsoft.com/office/drawing/2014/main" id="{B269AF96-06C9-6971-19C9-26C57150F499}"/>
               </a:ext>
             </a:extLst>
           </p:cNvPr>
@@ -642,7 +642,7 @@
           <p:cNvPr id="4" name="日期占位符 3">
             <a:extLst>
               <a:ext uri="{FF2B5EF4-FFF2-40B4-BE49-F238E27FC236}">
-                <a16:creationId xmlns:a16="http://schemas.microsoft.com/office/drawing/2014/main" id="{C70F873C-FF08-0676-B9D6-9A37AA6C5752}"/>
+                <a16:creationId xmlns:a16="http://schemas.microsoft.com/office/drawing/2014/main" id="{D45E84B4-847F-9B96-FC84-2A221D1BF0D4}"/>
               </a:ext>
             </a:extLst>
           </p:cNvPr>
@@ -658,7 +658,7 @@
           <a:bodyPr/>
           <a:lstStyle/>
           <a:p>
-            <a:fld id="{7EE4A638-3639-447F-AF04-6F6E344D4221}" type="datetimeFigureOut">
+            <a:fld id="{A1FCAE9C-E554-4B67-8113-DCD474C1539E}" type="datetimeFigureOut">
               <a:rPr lang="zh-CN" altLang="en-US" smtClean="0"/>
               <a:t>2024/3/10</a:t>
             </a:fld>
@@ -671,7 +671,7 @@
           <p:cNvPr id="5" name="页脚占位符 4">
             <a:extLst>
               <a:ext uri="{FF2B5EF4-FFF2-40B4-BE49-F238E27FC236}">
-                <a16:creationId xmlns:a16="http://schemas.microsoft.com/office/drawing/2014/main" id="{7703C51B-968B-E73C-724B-A50463C90EA3}"/>
+                <a16:creationId xmlns:a16="http://schemas.microsoft.com/office/drawing/2014/main" id="{4A2DBB5D-B865-A9D6-BE2A-2A0BA6FEEAAF}"/>
               </a:ext>
             </a:extLst>
           </p:cNvPr>
@@ -696,7 +696,7 @@
           <p:cNvPr id="6" name="灯片编号占位符 5">
             <a:extLst>
               <a:ext uri="{FF2B5EF4-FFF2-40B4-BE49-F238E27FC236}">
-                <a16:creationId xmlns:a16="http://schemas.microsoft.com/office/drawing/2014/main" id="{64028172-D586-6AAE-06D8-F2C020F01EA2}"/>
+                <a16:creationId xmlns:a16="http://schemas.microsoft.com/office/drawing/2014/main" id="{C834944B-E972-42FE-8284-F2C0B98D2B5B}"/>
               </a:ext>
             </a:extLst>
           </p:cNvPr>
@@ -712,7 +712,7 @@
           <a:bodyPr/>
           <a:lstStyle/>
           <a:p>
-            <a:fld id="{D7B1A191-4443-42ED-9138-4FDBE642D61A}" type="slidenum">
+            <a:fld id="{51B292CC-8258-4041-A6A4-D4EC3E2F58AA}" type="slidenum">
               <a:rPr lang="zh-CN" altLang="en-US" smtClean="0"/>
               <a:t>‹#›</a:t>
             </a:fld>
@@ -723,7 +723,7 @@
     </p:spTree>
     <p:extLst>
       <p:ext uri="{BB962C8B-B14F-4D97-AF65-F5344CB8AC3E}">
-        <p14:creationId xmlns:p14="http://schemas.microsoft.com/office/powerpoint/2010/main" val="2306398993"/>
+        <p14:creationId xmlns:p14="http://schemas.microsoft.com/office/powerpoint/2010/main" val="3071613795"/>
       </p:ext>
     </p:extLst>
   </p:cSld>
@@ -755,7 +755,7 @@
           <p:cNvPr id="2" name="标题 1">
             <a:extLst>
               <a:ext uri="{FF2B5EF4-FFF2-40B4-BE49-F238E27FC236}">
-                <a16:creationId xmlns:a16="http://schemas.microsoft.com/office/drawing/2014/main" id="{CAB0129E-EF9A-F6F2-2620-E11C877C2C12}"/>
+                <a16:creationId xmlns:a16="http://schemas.microsoft.com/office/drawing/2014/main" id="{AE6CE4BC-2FF6-BDE0-7A70-8A61DC3A72CC}"/>
               </a:ext>
             </a:extLst>
           </p:cNvPr>
@@ -783,7 +783,7 @@
           <p:cNvPr id="3" name="内容占位符 2">
             <a:extLst>
               <a:ext uri="{FF2B5EF4-FFF2-40B4-BE49-F238E27FC236}">
-                <a16:creationId xmlns:a16="http://schemas.microsoft.com/office/drawing/2014/main" id="{32EF8763-C334-A090-9723-A2385B163E03}"/>
+                <a16:creationId xmlns:a16="http://schemas.microsoft.com/office/drawing/2014/main" id="{9691B241-2149-5915-9904-D028D84B2C7F}"/>
               </a:ext>
             </a:extLst>
           </p:cNvPr>
@@ -840,7 +840,7 @@
           <p:cNvPr id="4" name="日期占位符 3">
             <a:extLst>
               <a:ext uri="{FF2B5EF4-FFF2-40B4-BE49-F238E27FC236}">
-                <a16:creationId xmlns:a16="http://schemas.microsoft.com/office/drawing/2014/main" id="{B4929BC7-2C57-F337-268A-ED5DE3B25904}"/>
+                <a16:creationId xmlns:a16="http://schemas.microsoft.com/office/drawing/2014/main" id="{824DA064-A55B-0E3D-4E3D-4513CADB19F0}"/>
               </a:ext>
             </a:extLst>
           </p:cNvPr>
@@ -856,7 +856,7 @@
           <a:bodyPr/>
           <a:lstStyle/>
           <a:p>
-            <a:fld id="{7EE4A638-3639-447F-AF04-6F6E344D4221}" type="datetimeFigureOut">
+            <a:fld id="{A1FCAE9C-E554-4B67-8113-DCD474C1539E}" type="datetimeFigureOut">
               <a:rPr lang="zh-CN" altLang="en-US" smtClean="0"/>
               <a:t>2024/3/10</a:t>
             </a:fld>
@@ -869,7 +869,7 @@
           <p:cNvPr id="5" name="页脚占位符 4">
             <a:extLst>
               <a:ext uri="{FF2B5EF4-FFF2-40B4-BE49-F238E27FC236}">
-                <a16:creationId xmlns:a16="http://schemas.microsoft.com/office/drawing/2014/main" id="{52472643-09C9-4391-D62C-B7B8FF6239E9}"/>
+                <a16:creationId xmlns:a16="http://schemas.microsoft.com/office/drawing/2014/main" id="{78F5E229-6757-BCCE-1A48-4C5CD26D5BAD}"/>
               </a:ext>
             </a:extLst>
           </p:cNvPr>
@@ -894,7 +894,7 @@
           <p:cNvPr id="6" name="灯片编号占位符 5">
             <a:extLst>
               <a:ext uri="{FF2B5EF4-FFF2-40B4-BE49-F238E27FC236}">
-                <a16:creationId xmlns:a16="http://schemas.microsoft.com/office/drawing/2014/main" id="{C50A6B00-1709-3713-1661-E30064E146A4}"/>
+                <a16:creationId xmlns:a16="http://schemas.microsoft.com/office/drawing/2014/main" id="{3E313DF3-DEED-AB0C-6B79-7704A4F50A6E}"/>
               </a:ext>
             </a:extLst>
           </p:cNvPr>
@@ -910,7 +910,7 @@
           <a:bodyPr/>
           <a:lstStyle/>
           <a:p>
-            <a:fld id="{D7B1A191-4443-42ED-9138-4FDBE642D61A}" type="slidenum">
+            <a:fld id="{51B292CC-8258-4041-A6A4-D4EC3E2F58AA}" type="slidenum">
               <a:rPr lang="zh-CN" altLang="en-US" smtClean="0"/>
               <a:t>‹#›</a:t>
             </a:fld>
@@ -921,7 +921,7 @@
     </p:spTree>
     <p:extLst>
       <p:ext uri="{BB962C8B-B14F-4D97-AF65-F5344CB8AC3E}">
-        <p14:creationId xmlns:p14="http://schemas.microsoft.com/office/powerpoint/2010/main" val="3462786425"/>
+        <p14:creationId xmlns:p14="http://schemas.microsoft.com/office/powerpoint/2010/main" val="2109535187"/>
       </p:ext>
     </p:extLst>
   </p:cSld>
@@ -953,7 +953,7 @@
           <p:cNvPr id="2" name="标题 1">
             <a:extLst>
               <a:ext uri="{FF2B5EF4-FFF2-40B4-BE49-F238E27FC236}">
-                <a16:creationId xmlns:a16="http://schemas.microsoft.com/office/drawing/2014/main" id="{8B27C4A3-F751-265D-C2EA-DBC74FA9BA05}"/>
+                <a16:creationId xmlns:a16="http://schemas.microsoft.com/office/drawing/2014/main" id="{13F03D09-EEE2-373A-FB80-E29A70F96B61}"/>
               </a:ext>
             </a:extLst>
           </p:cNvPr>
@@ -990,7 +990,7 @@
           <p:cNvPr id="3" name="文本占位符 2">
             <a:extLst>
               <a:ext uri="{FF2B5EF4-FFF2-40B4-BE49-F238E27FC236}">
-                <a16:creationId xmlns:a16="http://schemas.microsoft.com/office/drawing/2014/main" id="{1FA06866-D956-A08E-7F6A-51F46847756B}"/>
+                <a16:creationId xmlns:a16="http://schemas.microsoft.com/office/drawing/2014/main" id="{2B10F75E-6A26-4372-C7DB-0606E4DC3437}"/>
               </a:ext>
             </a:extLst>
           </p:cNvPr>
@@ -1115,7 +1115,7 @@
           <p:cNvPr id="4" name="日期占位符 3">
             <a:extLst>
               <a:ext uri="{FF2B5EF4-FFF2-40B4-BE49-F238E27FC236}">
-                <a16:creationId xmlns:a16="http://schemas.microsoft.com/office/drawing/2014/main" id="{07195CEF-8B40-06C2-6023-76B3D4596292}"/>
+                <a16:creationId xmlns:a16="http://schemas.microsoft.com/office/drawing/2014/main" id="{B85F664F-777A-D255-F834-AEBFA658A2AA}"/>
               </a:ext>
             </a:extLst>
           </p:cNvPr>
@@ -1131,7 +1131,7 @@
           <a:bodyPr/>
           <a:lstStyle/>
           <a:p>
-            <a:fld id="{7EE4A638-3639-447F-AF04-6F6E344D4221}" type="datetimeFigureOut">
+            <a:fld id="{A1FCAE9C-E554-4B67-8113-DCD474C1539E}" type="datetimeFigureOut">
               <a:rPr lang="zh-CN" altLang="en-US" smtClean="0"/>
               <a:t>2024/3/10</a:t>
             </a:fld>
@@ -1144,7 +1144,7 @@
           <p:cNvPr id="5" name="页脚占位符 4">
             <a:extLst>
               <a:ext uri="{FF2B5EF4-FFF2-40B4-BE49-F238E27FC236}">
-                <a16:creationId xmlns:a16="http://schemas.microsoft.com/office/drawing/2014/main" id="{289066BA-643B-5104-3D26-B578FDCD4C1D}"/>
+                <a16:creationId xmlns:a16="http://schemas.microsoft.com/office/drawing/2014/main" id="{9E7AE9FF-E010-59D0-920F-BF9899FAAEF8}"/>
               </a:ext>
             </a:extLst>
           </p:cNvPr>
@@ -1169,7 +1169,7 @@
           <p:cNvPr id="6" name="灯片编号占位符 5">
             <a:extLst>
               <a:ext uri="{FF2B5EF4-FFF2-40B4-BE49-F238E27FC236}">
-                <a16:creationId xmlns:a16="http://schemas.microsoft.com/office/drawing/2014/main" id="{E6F2BC79-6987-00F5-E5CA-B1E652C02D94}"/>
+                <a16:creationId xmlns:a16="http://schemas.microsoft.com/office/drawing/2014/main" id="{E08B7F27-1A90-04C0-02D2-56A9A80AF6BE}"/>
               </a:ext>
             </a:extLst>
           </p:cNvPr>
@@ -1185,7 +1185,7 @@
           <a:bodyPr/>
           <a:lstStyle/>
           <a:p>
-            <a:fld id="{D7B1A191-4443-42ED-9138-4FDBE642D61A}" type="slidenum">
+            <a:fld id="{51B292CC-8258-4041-A6A4-D4EC3E2F58AA}" type="slidenum">
               <a:rPr lang="zh-CN" altLang="en-US" smtClean="0"/>
               <a:t>‹#›</a:t>
             </a:fld>
@@ -1196,7 +1196,7 @@
     </p:spTree>
     <p:extLst>
       <p:ext uri="{BB962C8B-B14F-4D97-AF65-F5344CB8AC3E}">
-        <p14:creationId xmlns:p14="http://schemas.microsoft.com/office/powerpoint/2010/main" val="412087693"/>
+        <p14:creationId xmlns:p14="http://schemas.microsoft.com/office/powerpoint/2010/main" val="2898129032"/>
       </p:ext>
     </p:extLst>
   </p:cSld>
@@ -1228,7 +1228,7 @@
           <p:cNvPr id="2" name="标题 1">
             <a:extLst>
               <a:ext uri="{FF2B5EF4-FFF2-40B4-BE49-F238E27FC236}">
-                <a16:creationId xmlns:a16="http://schemas.microsoft.com/office/drawing/2014/main" id="{EE9FA5FE-7577-C8D4-B786-52B0448FCDA8}"/>
+                <a16:creationId xmlns:a16="http://schemas.microsoft.com/office/drawing/2014/main" id="{A971C39D-6843-4A3E-244A-52FCCB617ABD}"/>
               </a:ext>
             </a:extLst>
           </p:cNvPr>
@@ -1256,7 +1256,7 @@
           <p:cNvPr id="3" name="内容占位符 2">
             <a:extLst>
               <a:ext uri="{FF2B5EF4-FFF2-40B4-BE49-F238E27FC236}">
-                <a16:creationId xmlns:a16="http://schemas.microsoft.com/office/drawing/2014/main" id="{0A4A94BC-5257-E987-5729-F946195BFF5A}"/>
+                <a16:creationId xmlns:a16="http://schemas.microsoft.com/office/drawing/2014/main" id="{D6AAB193-C4EF-9B5E-3119-98334FEB8270}"/>
               </a:ext>
             </a:extLst>
           </p:cNvPr>
@@ -1318,7 +1318,7 @@
           <p:cNvPr id="4" name="内容占位符 3">
             <a:extLst>
               <a:ext uri="{FF2B5EF4-FFF2-40B4-BE49-F238E27FC236}">
-                <a16:creationId xmlns:a16="http://schemas.microsoft.com/office/drawing/2014/main" id="{9D52F9E2-3506-0319-EA37-9F354B943C4E}"/>
+                <a16:creationId xmlns:a16="http://schemas.microsoft.com/office/drawing/2014/main" id="{6C802DCB-9A7C-204F-3C94-4781767D5AFB}"/>
               </a:ext>
             </a:extLst>
           </p:cNvPr>
@@ -1380,7 +1380,7 @@
           <p:cNvPr id="5" name="日期占位符 4">
             <a:extLst>
               <a:ext uri="{FF2B5EF4-FFF2-40B4-BE49-F238E27FC236}">
-                <a16:creationId xmlns:a16="http://schemas.microsoft.com/office/drawing/2014/main" id="{016A9A65-E041-92DF-4F45-2C914768C3B0}"/>
+                <a16:creationId xmlns:a16="http://schemas.microsoft.com/office/drawing/2014/main" id="{40C74C47-766C-3703-AFA2-991880CAE1FA}"/>
               </a:ext>
             </a:extLst>
           </p:cNvPr>
@@ -1396,7 +1396,7 @@
           <a:bodyPr/>
           <a:lstStyle/>
           <a:p>
-            <a:fld id="{7EE4A638-3639-447F-AF04-6F6E344D4221}" type="datetimeFigureOut">
+            <a:fld id="{A1FCAE9C-E554-4B67-8113-DCD474C1539E}" type="datetimeFigureOut">
               <a:rPr lang="zh-CN" altLang="en-US" smtClean="0"/>
               <a:t>2024/3/10</a:t>
             </a:fld>
@@ -1409,7 +1409,7 @@
           <p:cNvPr id="6" name="页脚占位符 5">
             <a:extLst>
               <a:ext uri="{FF2B5EF4-FFF2-40B4-BE49-F238E27FC236}">
-                <a16:creationId xmlns:a16="http://schemas.microsoft.com/office/drawing/2014/main" id="{B0682D95-F847-EE89-26E5-96BFE14BD234}"/>
+                <a16:creationId xmlns:a16="http://schemas.microsoft.com/office/drawing/2014/main" id="{B3166430-1A4B-B62A-759A-C4B490842B70}"/>
               </a:ext>
             </a:extLst>
           </p:cNvPr>
@@ -1434,7 +1434,7 @@
           <p:cNvPr id="7" name="灯片编号占位符 6">
             <a:extLst>
               <a:ext uri="{FF2B5EF4-FFF2-40B4-BE49-F238E27FC236}">
-                <a16:creationId xmlns:a16="http://schemas.microsoft.com/office/drawing/2014/main" id="{D605B0AA-C78E-351C-E546-276229A0DC27}"/>
+                <a16:creationId xmlns:a16="http://schemas.microsoft.com/office/drawing/2014/main" id="{84FA5321-0F84-1EEB-ED75-EC53568797DA}"/>
               </a:ext>
             </a:extLst>
           </p:cNvPr>
@@ -1450,7 +1450,7 @@
           <a:bodyPr/>
           <a:lstStyle/>
           <a:p>
-            <a:fld id="{D7B1A191-4443-42ED-9138-4FDBE642D61A}" type="slidenum">
+            <a:fld id="{51B292CC-8258-4041-A6A4-D4EC3E2F58AA}" type="slidenum">
               <a:rPr lang="zh-CN" altLang="en-US" smtClean="0"/>
               <a:t>‹#›</a:t>
             </a:fld>
@@ -1461,7 +1461,7 @@
     </p:spTree>
     <p:extLst>
       <p:ext uri="{BB962C8B-B14F-4D97-AF65-F5344CB8AC3E}">
-        <p14:creationId xmlns:p14="http://schemas.microsoft.com/office/powerpoint/2010/main" val="367731910"/>
+        <p14:creationId xmlns:p14="http://schemas.microsoft.com/office/powerpoint/2010/main" val="2381713131"/>
       </p:ext>
     </p:extLst>
   </p:cSld>
@@ -1493,7 +1493,7 @@
           <p:cNvPr id="2" name="标题 1">
             <a:extLst>
               <a:ext uri="{FF2B5EF4-FFF2-40B4-BE49-F238E27FC236}">
-                <a16:creationId xmlns:a16="http://schemas.microsoft.com/office/drawing/2014/main" id="{2570B2E9-3FBB-0925-2F3E-1C3FF0E4B7CE}"/>
+                <a16:creationId xmlns:a16="http://schemas.microsoft.com/office/drawing/2014/main" id="{BB6DEACE-9876-DBD1-9A19-7D2451C1A984}"/>
               </a:ext>
             </a:extLst>
           </p:cNvPr>
@@ -1526,7 +1526,7 @@
           <p:cNvPr id="3" name="文本占位符 2">
             <a:extLst>
               <a:ext uri="{FF2B5EF4-FFF2-40B4-BE49-F238E27FC236}">
-                <a16:creationId xmlns:a16="http://schemas.microsoft.com/office/drawing/2014/main" id="{164752AA-5B66-96C9-99A0-138428CA3D83}"/>
+                <a16:creationId xmlns:a16="http://schemas.microsoft.com/office/drawing/2014/main" id="{52AF8C2A-37D7-8E04-AAD5-C076AD2C0C47}"/>
               </a:ext>
             </a:extLst>
           </p:cNvPr>
@@ -1597,7 +1597,7 @@
           <p:cNvPr id="4" name="内容占位符 3">
             <a:extLst>
               <a:ext uri="{FF2B5EF4-FFF2-40B4-BE49-F238E27FC236}">
-                <a16:creationId xmlns:a16="http://schemas.microsoft.com/office/drawing/2014/main" id="{B15361E9-A943-830E-29C5-E8F587B515FB}"/>
+                <a16:creationId xmlns:a16="http://schemas.microsoft.com/office/drawing/2014/main" id="{C1CAD385-FF97-4730-6C10-830386DF0DF1}"/>
               </a:ext>
             </a:extLst>
           </p:cNvPr>
@@ -1659,7 +1659,7 @@
           <p:cNvPr id="5" name="文本占位符 4">
             <a:extLst>
               <a:ext uri="{FF2B5EF4-FFF2-40B4-BE49-F238E27FC236}">
-                <a16:creationId xmlns:a16="http://schemas.microsoft.com/office/drawing/2014/main" id="{0A59EED9-CB8F-9738-569C-0E9125A3B3AD}"/>
+                <a16:creationId xmlns:a16="http://schemas.microsoft.com/office/drawing/2014/main" id="{96908ADE-D244-1AC7-7046-1854BD9BC993}"/>
               </a:ext>
             </a:extLst>
           </p:cNvPr>
@@ -1730,7 +1730,7 @@
           <p:cNvPr id="6" name="内容占位符 5">
             <a:extLst>
               <a:ext uri="{FF2B5EF4-FFF2-40B4-BE49-F238E27FC236}">
-                <a16:creationId xmlns:a16="http://schemas.microsoft.com/office/drawing/2014/main" id="{C074C6B8-6B4A-5866-5C2E-C77C93DDE2D3}"/>
+                <a16:creationId xmlns:a16="http://schemas.microsoft.com/office/drawing/2014/main" id="{4474189C-79BF-ACCE-8172-2A003E332C20}"/>
               </a:ext>
             </a:extLst>
           </p:cNvPr>
@@ -1792,7 +1792,7 @@
           <p:cNvPr id="7" name="日期占位符 6">
             <a:extLst>
               <a:ext uri="{FF2B5EF4-FFF2-40B4-BE49-F238E27FC236}">
-                <a16:creationId xmlns:a16="http://schemas.microsoft.com/office/drawing/2014/main" id="{917F6E39-2777-4801-9286-89D10D8E624C}"/>
+                <a16:creationId xmlns:a16="http://schemas.microsoft.com/office/drawing/2014/main" id="{BBBD31B8-0371-C3BE-15E9-8606B2D32C31}"/>
               </a:ext>
             </a:extLst>
           </p:cNvPr>
@@ -1808,7 +1808,7 @@
           <a:bodyPr/>
           <a:lstStyle/>
           <a:p>
-            <a:fld id="{7EE4A638-3639-447F-AF04-6F6E344D4221}" type="datetimeFigureOut">
+            <a:fld id="{A1FCAE9C-E554-4B67-8113-DCD474C1539E}" type="datetimeFigureOut">
               <a:rPr lang="zh-CN" altLang="en-US" smtClean="0"/>
               <a:t>2024/3/10</a:t>
             </a:fld>
@@ -1821,7 +1821,7 @@
           <p:cNvPr id="8" name="页脚占位符 7">
             <a:extLst>
               <a:ext uri="{FF2B5EF4-FFF2-40B4-BE49-F238E27FC236}">
-                <a16:creationId xmlns:a16="http://schemas.microsoft.com/office/drawing/2014/main" id="{C941CFAF-0D5F-41C5-4065-CCF360012C33}"/>
+                <a16:creationId xmlns:a16="http://schemas.microsoft.com/office/drawing/2014/main" id="{C7E13B3A-A404-471C-E58A-75131ECAB96A}"/>
               </a:ext>
             </a:extLst>
           </p:cNvPr>
@@ -1846,7 +1846,7 @@
           <p:cNvPr id="9" name="灯片编号占位符 8">
             <a:extLst>
               <a:ext uri="{FF2B5EF4-FFF2-40B4-BE49-F238E27FC236}">
-                <a16:creationId xmlns:a16="http://schemas.microsoft.com/office/drawing/2014/main" id="{1255AB55-884B-63DC-159D-84D6364174B7}"/>
+                <a16:creationId xmlns:a16="http://schemas.microsoft.com/office/drawing/2014/main" id="{775E588B-75A7-5B02-7AB3-8F348D1412C1}"/>
               </a:ext>
             </a:extLst>
           </p:cNvPr>
@@ -1862,7 +1862,7 @@
           <a:bodyPr/>
           <a:lstStyle/>
           <a:p>
-            <a:fld id="{D7B1A191-4443-42ED-9138-4FDBE642D61A}" type="slidenum">
+            <a:fld id="{51B292CC-8258-4041-A6A4-D4EC3E2F58AA}" type="slidenum">
               <a:rPr lang="zh-CN" altLang="en-US" smtClean="0"/>
               <a:t>‹#›</a:t>
             </a:fld>
@@ -1873,7 +1873,7 @@
     </p:spTree>
     <p:extLst>
       <p:ext uri="{BB962C8B-B14F-4D97-AF65-F5344CB8AC3E}">
-        <p14:creationId xmlns:p14="http://schemas.microsoft.com/office/powerpoint/2010/main" val="1382516682"/>
+        <p14:creationId xmlns:p14="http://schemas.microsoft.com/office/powerpoint/2010/main" val="3975408068"/>
       </p:ext>
     </p:extLst>
   </p:cSld>
@@ -1905,7 +1905,7 @@
           <p:cNvPr id="2" name="标题 1">
             <a:extLst>
               <a:ext uri="{FF2B5EF4-FFF2-40B4-BE49-F238E27FC236}">
-                <a16:creationId xmlns:a16="http://schemas.microsoft.com/office/drawing/2014/main" id="{2D6D6E45-6A9C-DF35-AEB7-F25561584D56}"/>
+                <a16:creationId xmlns:a16="http://schemas.microsoft.com/office/drawing/2014/main" id="{F5C1675E-EC12-531D-9AC0-6FBEFAC53AEA}"/>
               </a:ext>
             </a:extLst>
           </p:cNvPr>
@@ -1933,7 +1933,7 @@
           <p:cNvPr id="3" name="日期占位符 2">
             <a:extLst>
               <a:ext uri="{FF2B5EF4-FFF2-40B4-BE49-F238E27FC236}">
-                <a16:creationId xmlns:a16="http://schemas.microsoft.com/office/drawing/2014/main" id="{99DC1D58-61D7-6430-C972-2AE019192BAF}"/>
+                <a16:creationId xmlns:a16="http://schemas.microsoft.com/office/drawing/2014/main" id="{7661A64C-10C2-0948-D525-C1F3313BCF7E}"/>
               </a:ext>
             </a:extLst>
           </p:cNvPr>
@@ -1949,7 +1949,7 @@
           <a:bodyPr/>
           <a:lstStyle/>
           <a:p>
-            <a:fld id="{7EE4A638-3639-447F-AF04-6F6E344D4221}" type="datetimeFigureOut">
+            <a:fld id="{A1FCAE9C-E554-4B67-8113-DCD474C1539E}" type="datetimeFigureOut">
               <a:rPr lang="zh-CN" altLang="en-US" smtClean="0"/>
               <a:t>2024/3/10</a:t>
             </a:fld>
@@ -1962,7 +1962,7 @@
           <p:cNvPr id="4" name="页脚占位符 3">
             <a:extLst>
               <a:ext uri="{FF2B5EF4-FFF2-40B4-BE49-F238E27FC236}">
-                <a16:creationId xmlns:a16="http://schemas.microsoft.com/office/drawing/2014/main" id="{E8279B81-A00B-9992-484C-552ECE2B179A}"/>
+                <a16:creationId xmlns:a16="http://schemas.microsoft.com/office/drawing/2014/main" id="{AF23EC3D-0173-6AD1-8F80-E8B1017672C7}"/>
               </a:ext>
             </a:extLst>
           </p:cNvPr>
@@ -1987,7 +1987,7 @@
           <p:cNvPr id="5" name="灯片编号占位符 4">
             <a:extLst>
               <a:ext uri="{FF2B5EF4-FFF2-40B4-BE49-F238E27FC236}">
-                <a16:creationId xmlns:a16="http://schemas.microsoft.com/office/drawing/2014/main" id="{197A2680-D697-E975-ED6F-3AE1FAB44A84}"/>
+                <a16:creationId xmlns:a16="http://schemas.microsoft.com/office/drawing/2014/main" id="{CC60144C-C175-B99F-8201-477ED78C285B}"/>
               </a:ext>
             </a:extLst>
           </p:cNvPr>
@@ -2003,7 +2003,7 @@
           <a:bodyPr/>
           <a:lstStyle/>
           <a:p>
-            <a:fld id="{D7B1A191-4443-42ED-9138-4FDBE642D61A}" type="slidenum">
+            <a:fld id="{51B292CC-8258-4041-A6A4-D4EC3E2F58AA}" type="slidenum">
               <a:rPr lang="zh-CN" altLang="en-US" smtClean="0"/>
               <a:t>‹#›</a:t>
             </a:fld>
@@ -2014,7 +2014,7 @@
     </p:spTree>
     <p:extLst>
       <p:ext uri="{BB962C8B-B14F-4D97-AF65-F5344CB8AC3E}">
-        <p14:creationId xmlns:p14="http://schemas.microsoft.com/office/powerpoint/2010/main" val="4271271219"/>
+        <p14:creationId xmlns:p14="http://schemas.microsoft.com/office/powerpoint/2010/main" val="3801564545"/>
       </p:ext>
     </p:extLst>
   </p:cSld>
@@ -2046,7 +2046,7 @@
           <p:cNvPr id="2" name="日期占位符 1">
             <a:extLst>
               <a:ext uri="{FF2B5EF4-FFF2-40B4-BE49-F238E27FC236}">
-                <a16:creationId xmlns:a16="http://schemas.microsoft.com/office/drawing/2014/main" id="{41C3E8A3-E51D-7B40-CF57-970BA7E4E4E1}"/>
+                <a16:creationId xmlns:a16="http://schemas.microsoft.com/office/drawing/2014/main" id="{1D775119-E8CE-9E3A-541E-C7D86DF27FBB}"/>
               </a:ext>
             </a:extLst>
           </p:cNvPr>
@@ -2062,7 +2062,7 @@
           <a:bodyPr/>
           <a:lstStyle/>
           <a:p>
-            <a:fld id="{7EE4A638-3639-447F-AF04-6F6E344D4221}" type="datetimeFigureOut">
+            <a:fld id="{A1FCAE9C-E554-4B67-8113-DCD474C1539E}" type="datetimeFigureOut">
               <a:rPr lang="zh-CN" altLang="en-US" smtClean="0"/>
               <a:t>2024/3/10</a:t>
             </a:fld>
@@ -2075,7 +2075,7 @@
           <p:cNvPr id="3" name="页脚占位符 2">
             <a:extLst>
               <a:ext uri="{FF2B5EF4-FFF2-40B4-BE49-F238E27FC236}">
-                <a16:creationId xmlns:a16="http://schemas.microsoft.com/office/drawing/2014/main" id="{A813A780-A712-BFE7-772E-EB51B58917F4}"/>
+                <a16:creationId xmlns:a16="http://schemas.microsoft.com/office/drawing/2014/main" id="{671AF694-3AF8-D35D-204B-B9D0F6C26CDC}"/>
               </a:ext>
             </a:extLst>
           </p:cNvPr>
@@ -2100,7 +2100,7 @@
           <p:cNvPr id="4" name="灯片编号占位符 3">
             <a:extLst>
               <a:ext uri="{FF2B5EF4-FFF2-40B4-BE49-F238E27FC236}">
-                <a16:creationId xmlns:a16="http://schemas.microsoft.com/office/drawing/2014/main" id="{EDC0A567-0B07-54F3-31E7-DA32B4837B2F}"/>
+                <a16:creationId xmlns:a16="http://schemas.microsoft.com/office/drawing/2014/main" id="{E642ABAF-6DD4-3050-6ECE-C2C4AE2C4ABD}"/>
               </a:ext>
             </a:extLst>
           </p:cNvPr>
@@ -2116,7 +2116,7 @@
           <a:bodyPr/>
           <a:lstStyle/>
           <a:p>
-            <a:fld id="{D7B1A191-4443-42ED-9138-4FDBE642D61A}" type="slidenum">
+            <a:fld id="{51B292CC-8258-4041-A6A4-D4EC3E2F58AA}" type="slidenum">
               <a:rPr lang="zh-CN" altLang="en-US" smtClean="0"/>
               <a:t>‹#›</a:t>
             </a:fld>
@@ -2127,7 +2127,7 @@
     </p:spTree>
     <p:extLst>
       <p:ext uri="{BB962C8B-B14F-4D97-AF65-F5344CB8AC3E}">
-        <p14:creationId xmlns:p14="http://schemas.microsoft.com/office/powerpoint/2010/main" val="1888668826"/>
+        <p14:creationId xmlns:p14="http://schemas.microsoft.com/office/powerpoint/2010/main" val="1093696481"/>
       </p:ext>
     </p:extLst>
   </p:cSld>
@@ -2159,7 +2159,7 @@
           <p:cNvPr id="2" name="标题 1">
             <a:extLst>
               <a:ext uri="{FF2B5EF4-FFF2-40B4-BE49-F238E27FC236}">
-                <a16:creationId xmlns:a16="http://schemas.microsoft.com/office/drawing/2014/main" id="{0729AC55-FFE9-1062-B445-C586C5170D66}"/>
+                <a16:creationId xmlns:a16="http://schemas.microsoft.com/office/drawing/2014/main" id="{CD79BDFC-6F60-D1B4-FE85-A9E3B361ABC5}"/>
               </a:ext>
             </a:extLst>
           </p:cNvPr>
@@ -2196,7 +2196,7 @@
           <p:cNvPr id="3" name="内容占位符 2">
             <a:extLst>
               <a:ext uri="{FF2B5EF4-FFF2-40B4-BE49-F238E27FC236}">
-                <a16:creationId xmlns:a16="http://schemas.microsoft.com/office/drawing/2014/main" id="{40F3C5B9-84E3-B1A2-B00A-D332798ADFAA}"/>
+                <a16:creationId xmlns:a16="http://schemas.microsoft.com/office/drawing/2014/main" id="{F16061B7-BB47-619C-05E4-BD9209C2A20D}"/>
               </a:ext>
             </a:extLst>
           </p:cNvPr>
@@ -2286,7 +2286,7 @@
           <p:cNvPr id="4" name="文本占位符 3">
             <a:extLst>
               <a:ext uri="{FF2B5EF4-FFF2-40B4-BE49-F238E27FC236}">
-                <a16:creationId xmlns:a16="http://schemas.microsoft.com/office/drawing/2014/main" id="{6467345C-A6F0-17B6-1FDB-4248A016BA8C}"/>
+                <a16:creationId xmlns:a16="http://schemas.microsoft.com/office/drawing/2014/main" id="{A8292A57-2DAF-9338-0BE0-2D3D1B9662D2}"/>
               </a:ext>
             </a:extLst>
           </p:cNvPr>
@@ -2357,7 +2357,7 @@
           <p:cNvPr id="5" name="日期占位符 4">
             <a:extLst>
               <a:ext uri="{FF2B5EF4-FFF2-40B4-BE49-F238E27FC236}">
-                <a16:creationId xmlns:a16="http://schemas.microsoft.com/office/drawing/2014/main" id="{52076025-1E49-1D92-AD42-9CD982AFA724}"/>
+                <a16:creationId xmlns:a16="http://schemas.microsoft.com/office/drawing/2014/main" id="{580C4482-6A1E-FCF7-AE6D-F7469CBD3657}"/>
               </a:ext>
             </a:extLst>
           </p:cNvPr>
@@ -2373,7 +2373,7 @@
           <a:bodyPr/>
           <a:lstStyle/>
           <a:p>
-            <a:fld id="{7EE4A638-3639-447F-AF04-6F6E344D4221}" type="datetimeFigureOut">
+            <a:fld id="{A1FCAE9C-E554-4B67-8113-DCD474C1539E}" type="datetimeFigureOut">
               <a:rPr lang="zh-CN" altLang="en-US" smtClean="0"/>
               <a:t>2024/3/10</a:t>
             </a:fld>
@@ -2386,7 +2386,7 @@
           <p:cNvPr id="6" name="页脚占位符 5">
             <a:extLst>
               <a:ext uri="{FF2B5EF4-FFF2-40B4-BE49-F238E27FC236}">
-                <a16:creationId xmlns:a16="http://schemas.microsoft.com/office/drawing/2014/main" id="{AA890C79-BAE5-E12E-44FA-051332048631}"/>
+                <a16:creationId xmlns:a16="http://schemas.microsoft.com/office/drawing/2014/main" id="{EBAE0720-AA44-BDBB-52F9-1C587A1574AD}"/>
               </a:ext>
             </a:extLst>
           </p:cNvPr>
@@ -2411,7 +2411,7 @@
           <p:cNvPr id="7" name="灯片编号占位符 6">
             <a:extLst>
               <a:ext uri="{FF2B5EF4-FFF2-40B4-BE49-F238E27FC236}">
-                <a16:creationId xmlns:a16="http://schemas.microsoft.com/office/drawing/2014/main" id="{EAECDC08-3910-A594-A3AE-EF70F50F46D3}"/>
+                <a16:creationId xmlns:a16="http://schemas.microsoft.com/office/drawing/2014/main" id="{2122DF46-E6F6-4F60-DD8D-C6D2B9B6FCF4}"/>
               </a:ext>
             </a:extLst>
           </p:cNvPr>
@@ -2427,7 +2427,7 @@
           <a:bodyPr/>
           <a:lstStyle/>
           <a:p>
-            <a:fld id="{D7B1A191-4443-42ED-9138-4FDBE642D61A}" type="slidenum">
+            <a:fld id="{51B292CC-8258-4041-A6A4-D4EC3E2F58AA}" type="slidenum">
               <a:rPr lang="zh-CN" altLang="en-US" smtClean="0"/>
               <a:t>‹#›</a:t>
             </a:fld>
@@ -2438,7 +2438,7 @@
     </p:spTree>
     <p:extLst>
       <p:ext uri="{BB962C8B-B14F-4D97-AF65-F5344CB8AC3E}">
-        <p14:creationId xmlns:p14="http://schemas.microsoft.com/office/powerpoint/2010/main" val="2437095"/>
+        <p14:creationId xmlns:p14="http://schemas.microsoft.com/office/powerpoint/2010/main" val="624867423"/>
       </p:ext>
     </p:extLst>
   </p:cSld>
@@ -2470,7 +2470,7 @@
           <p:cNvPr id="2" name="标题 1">
             <a:extLst>
               <a:ext uri="{FF2B5EF4-FFF2-40B4-BE49-F238E27FC236}">
-                <a16:creationId xmlns:a16="http://schemas.microsoft.com/office/drawing/2014/main" id="{263722DF-658F-2201-8375-526FC99D2949}"/>
+                <a16:creationId xmlns:a16="http://schemas.microsoft.com/office/drawing/2014/main" id="{148397D4-06CF-748E-910C-22BA665E119B}"/>
               </a:ext>
             </a:extLst>
           </p:cNvPr>
@@ -2507,7 +2507,7 @@
           <p:cNvPr id="3" name="图片占位符 2">
             <a:extLst>
               <a:ext uri="{FF2B5EF4-FFF2-40B4-BE49-F238E27FC236}">
-                <a16:creationId xmlns:a16="http://schemas.microsoft.com/office/drawing/2014/main" id="{575C73E0-9C1D-E85F-1A2E-8B106CE57A3B}"/>
+                <a16:creationId xmlns:a16="http://schemas.microsoft.com/office/drawing/2014/main" id="{0C153DCD-9544-4904-59A0-56A655E2F320}"/>
               </a:ext>
             </a:extLst>
           </p:cNvPr>
@@ -2574,7 +2574,7 @@
           <p:cNvPr id="4" name="文本占位符 3">
             <a:extLst>
               <a:ext uri="{FF2B5EF4-FFF2-40B4-BE49-F238E27FC236}">
-                <a16:creationId xmlns:a16="http://schemas.microsoft.com/office/drawing/2014/main" id="{A27C6007-A079-CD35-C3D7-739CA36D926A}"/>
+                <a16:creationId xmlns:a16="http://schemas.microsoft.com/office/drawing/2014/main" id="{2AF5B6D7-4C7C-CD84-1464-F6A1E444273B}"/>
               </a:ext>
             </a:extLst>
           </p:cNvPr>
@@ -2645,7 +2645,7 @@
           <p:cNvPr id="5" name="日期占位符 4">
             <a:extLst>
               <a:ext uri="{FF2B5EF4-FFF2-40B4-BE49-F238E27FC236}">
-                <a16:creationId xmlns:a16="http://schemas.microsoft.com/office/drawing/2014/main" id="{443CB577-A403-47FC-223F-CF727056B406}"/>
+                <a16:creationId xmlns:a16="http://schemas.microsoft.com/office/drawing/2014/main" id="{401A7355-5640-DB65-3C66-8391AFE066B0}"/>
               </a:ext>
             </a:extLst>
           </p:cNvPr>
@@ -2661,7 +2661,7 @@
           <a:bodyPr/>
           <a:lstStyle/>
           <a:p>
-            <a:fld id="{7EE4A638-3639-447F-AF04-6F6E344D4221}" type="datetimeFigureOut">
+            <a:fld id="{A1FCAE9C-E554-4B67-8113-DCD474C1539E}" type="datetimeFigureOut">
               <a:rPr lang="zh-CN" altLang="en-US" smtClean="0"/>
               <a:t>2024/3/10</a:t>
             </a:fld>
@@ -2674,7 +2674,7 @@
           <p:cNvPr id="6" name="页脚占位符 5">
             <a:extLst>
               <a:ext uri="{FF2B5EF4-FFF2-40B4-BE49-F238E27FC236}">
-                <a16:creationId xmlns:a16="http://schemas.microsoft.com/office/drawing/2014/main" id="{A58541BC-86B5-E5DB-D941-D3FB02CA93B4}"/>
+                <a16:creationId xmlns:a16="http://schemas.microsoft.com/office/drawing/2014/main" id="{042BAFEE-0426-279B-A18F-C8D26EF57B09}"/>
               </a:ext>
             </a:extLst>
           </p:cNvPr>
@@ -2699,7 +2699,7 @@
           <p:cNvPr id="7" name="灯片编号占位符 6">
             <a:extLst>
               <a:ext uri="{FF2B5EF4-FFF2-40B4-BE49-F238E27FC236}">
-                <a16:creationId xmlns:a16="http://schemas.microsoft.com/office/drawing/2014/main" id="{DFE7FB45-3479-959E-A71A-AA4785B5E67E}"/>
+                <a16:creationId xmlns:a16="http://schemas.microsoft.com/office/drawing/2014/main" id="{4897B968-F8BE-17E0-89A8-A5F56A27CC68}"/>
               </a:ext>
             </a:extLst>
           </p:cNvPr>
@@ -2715,7 +2715,7 @@
           <a:bodyPr/>
           <a:lstStyle/>
           <a:p>
-            <a:fld id="{D7B1A191-4443-42ED-9138-4FDBE642D61A}" type="slidenum">
+            <a:fld id="{51B292CC-8258-4041-A6A4-D4EC3E2F58AA}" type="slidenum">
               <a:rPr lang="zh-CN" altLang="en-US" smtClean="0"/>
               <a:t>‹#›</a:t>
             </a:fld>
@@ -2726,7 +2726,7 @@
     </p:spTree>
     <p:extLst>
       <p:ext uri="{BB962C8B-B14F-4D97-AF65-F5344CB8AC3E}">
-        <p14:creationId xmlns:p14="http://schemas.microsoft.com/office/powerpoint/2010/main" val="3949055544"/>
+        <p14:creationId xmlns:p14="http://schemas.microsoft.com/office/powerpoint/2010/main" val="1928496402"/>
       </p:ext>
     </p:extLst>
   </p:cSld>
@@ -2763,7 +2763,7 @@
           <p:cNvPr id="2" name="标题占位符 1">
             <a:extLst>
               <a:ext uri="{FF2B5EF4-FFF2-40B4-BE49-F238E27FC236}">
-                <a16:creationId xmlns:a16="http://schemas.microsoft.com/office/drawing/2014/main" id="{F0C0BEF1-4AA2-6B0A-2483-933FDCA82837}"/>
+                <a16:creationId xmlns:a16="http://schemas.microsoft.com/office/drawing/2014/main" id="{F127E79B-D208-4663-0410-3D051925706B}"/>
               </a:ext>
             </a:extLst>
           </p:cNvPr>
@@ -2801,7 +2801,7 @@
           <p:cNvPr id="3" name="文本占位符 2">
             <a:extLst>
               <a:ext uri="{FF2B5EF4-FFF2-40B4-BE49-F238E27FC236}">
-                <a16:creationId xmlns:a16="http://schemas.microsoft.com/office/drawing/2014/main" id="{6D9A0BE4-DC39-2C14-C599-E5DBB8E11516}"/>
+                <a16:creationId xmlns:a16="http://schemas.microsoft.com/office/drawing/2014/main" id="{19BCBEB1-9CEA-3595-0F65-3D3577CE2BAB}"/>
               </a:ext>
             </a:extLst>
           </p:cNvPr>
@@ -2868,7 +2868,7 @@
           <p:cNvPr id="4" name="日期占位符 3">
             <a:extLst>
               <a:ext uri="{FF2B5EF4-FFF2-40B4-BE49-F238E27FC236}">
-                <a16:creationId xmlns:a16="http://schemas.microsoft.com/office/drawing/2014/main" id="{AC95907C-C987-8222-BAC9-60A9A5B61505}"/>
+                <a16:creationId xmlns:a16="http://schemas.microsoft.com/office/drawing/2014/main" id="{EF20E9D1-0F87-F1AF-3C9F-BFF17F92B667}"/>
               </a:ext>
             </a:extLst>
           </p:cNvPr>
@@ -2902,7 +2902,7 @@
             </a:lvl1pPr>
           </a:lstStyle>
           <a:p>
-            <a:fld id="{7EE4A638-3639-447F-AF04-6F6E344D4221}" type="datetimeFigureOut">
+            <a:fld id="{A1FCAE9C-E554-4B67-8113-DCD474C1539E}" type="datetimeFigureOut">
               <a:rPr lang="zh-CN" altLang="en-US" smtClean="0"/>
               <a:t>2024/3/10</a:t>
             </a:fld>
@@ -2915,7 +2915,7 @@
           <p:cNvPr id="5" name="页脚占位符 4">
             <a:extLst>
               <a:ext uri="{FF2B5EF4-FFF2-40B4-BE49-F238E27FC236}">
-                <a16:creationId xmlns:a16="http://schemas.microsoft.com/office/drawing/2014/main" id="{001724F5-1CE9-FCEB-D4FC-55111BF283A6}"/>
+                <a16:creationId xmlns:a16="http://schemas.microsoft.com/office/drawing/2014/main" id="{60072C07-E864-1BF6-8C93-DA7F8E6752A1}"/>
               </a:ext>
             </a:extLst>
           </p:cNvPr>
@@ -2958,7 +2958,7 @@
           <p:cNvPr id="6" name="灯片编号占位符 5">
             <a:extLst>
               <a:ext uri="{FF2B5EF4-FFF2-40B4-BE49-F238E27FC236}">
-                <a16:creationId xmlns:a16="http://schemas.microsoft.com/office/drawing/2014/main" id="{341C66B4-964C-B12E-5AD1-48799FE279E9}"/>
+                <a16:creationId xmlns:a16="http://schemas.microsoft.com/office/drawing/2014/main" id="{887E7D3A-6677-D074-43D8-38846E5A25D6}"/>
               </a:ext>
             </a:extLst>
           </p:cNvPr>
@@ -2992,7 +2992,7 @@
             </a:lvl1pPr>
           </a:lstStyle>
           <a:p>
-            <a:fld id="{D7B1A191-4443-42ED-9138-4FDBE642D61A}" type="slidenum">
+            <a:fld id="{51B292CC-8258-4041-A6A4-D4EC3E2F58AA}" type="slidenum">
               <a:rPr lang="zh-CN" altLang="en-US" smtClean="0"/>
               <a:t>‹#›</a:t>
             </a:fld>
@@ -3003,7 +3003,7 @@
     </p:spTree>
     <p:extLst>
       <p:ext uri="{BB962C8B-B14F-4D97-AF65-F5344CB8AC3E}">
-        <p14:creationId xmlns:p14="http://schemas.microsoft.com/office/powerpoint/2010/main" val="3486777678"/>
+        <p14:creationId xmlns:p14="http://schemas.microsoft.com/office/powerpoint/2010/main" val="1579191245"/>
       </p:ext>
     </p:extLst>
   </p:cSld>
@@ -3323,7 +3323,7 @@
       </p:grpSpPr>
       <p:pic>
         <p:nvPicPr>
-          <p:cNvPr id="984066" name="Picture 2" descr="960"/>
+          <p:cNvPr id="985090" name="Picture 2" descr="961"/>
           <p:cNvPicPr>
             <a:picLocks noChangeAspect="1" noChangeArrowheads="1"/>
           </p:cNvPicPr>
@@ -3375,158 +3375,11 @@
           </a:extLst>
         </p:spPr>
       </p:pic>
-      <p:pic>
-        <p:nvPicPr>
-          <p:cNvPr id="985091" name="Picture 3" descr="960-2"/>
-          <p:cNvPicPr>
-            <a:picLocks noChangeAspect="1" noChangeArrowheads="1"/>
-          </p:cNvPicPr>
-          <p:nvPr/>
-        </p:nvPicPr>
-        <p:blipFill>
-          <a:blip r:embed="rId3">
-            <a:extLst>
-              <a:ext uri="{28A0092B-C50C-407E-A947-70E740481C1C}">
-                <a14:useLocalDpi xmlns:a14="http://schemas.microsoft.com/office/drawing/2010/main" val="0"/>
-              </a:ext>
-            </a:extLst>
-          </a:blip>
-          <a:srcRect/>
-          <a:stretch>
-            <a:fillRect/>
-          </a:stretch>
-        </p:blipFill>
-        <p:spPr bwMode="auto">
-          <a:xfrm>
-            <a:off x="1501776" y="0"/>
-            <a:ext cx="9129713" cy="6858000"/>
-          </a:xfrm>
-          <a:prstGeom prst="rect">
-            <a:avLst/>
-          </a:prstGeom>
-          <a:noFill/>
-          <a:ln>
-            <a:noFill/>
-          </a:ln>
-          <a:effectLst/>
-          <a:extLst>
-            <a:ext uri="{909E8E84-426E-40DD-AFC4-6F175D3DCCD1}">
-              <a14:hiddenFill xmlns:a14="http://schemas.microsoft.com/office/drawing/2010/main">
-                <a:solidFill>
-                  <a:srgbClr val="FFFFFF"/>
-                </a:solidFill>
-              </a14:hiddenFill>
-            </a:ext>
-            <a:ext uri="{91240B29-F687-4F45-9708-019B960494DF}">
-              <a14:hiddenLine xmlns:a14="http://schemas.microsoft.com/office/drawing/2010/main" w="9525">
-                <a:solidFill>
-                  <a:srgbClr val="000000"/>
-                </a:solidFill>
-                <a:miter lim="800000"/>
-                <a:headEnd/>
-                <a:tailEnd/>
-              </a14:hiddenLine>
-            </a:ext>
-            <a:ext uri="{AF507438-7753-43E0-B8FC-AC1667EBCBE1}">
-              <a14:hiddenEffects xmlns:a14="http://schemas.microsoft.com/office/drawing/2010/main">
-                <a:effectLst>
-                  <a:outerShdw dist="35921" dir="2700000" algn="ctr" rotWithShape="0">
-                    <a:srgbClr val="808080"/>
-                  </a:outerShdw>
-                </a:effectLst>
-              </a14:hiddenEffects>
-            </a:ext>
-          </a:extLst>
-        </p:spPr>
-      </p:pic>
     </p:spTree>
   </p:cSld>
   <p:clrMapOvr>
     <a:masterClrMapping/>
   </p:clrMapOvr>
-  <p:timing>
-    <p:tnLst>
-      <p:par>
-        <p:cTn id="1" dur="indefinite" restart="never" nodeType="tmRoot">
-          <p:childTnLst>
-            <p:seq concurrent="1" nextAc="seek">
-              <p:cTn id="2" dur="indefinite" nodeType="mainSeq">
-                <p:childTnLst>
-                  <p:par>
-                    <p:cTn id="3" fill="hold" nodeType="clickPar">
-                      <p:stCondLst>
-                        <p:cond delay="indefinite"/>
-                      </p:stCondLst>
-                      <p:childTnLst>
-                        <p:par>
-                          <p:cTn id="4" fill="hold" nodeType="withGroup">
-                            <p:stCondLst>
-                              <p:cond delay="0"/>
-                            </p:stCondLst>
-                            <p:childTnLst>
-                              <p:par>
-                                <p:cTn id="5" presetID="10" presetClass="entr" presetSubtype="0" fill="hold" nodeType="clickEffect">
-                                  <p:stCondLst>
-                                    <p:cond delay="0"/>
-                                  </p:stCondLst>
-                                  <p:childTnLst>
-                                    <p:set>
-                                      <p:cBhvr>
-                                        <p:cTn id="6" dur="1" fill="hold">
-                                          <p:stCondLst>
-                                            <p:cond delay="0"/>
-                                          </p:stCondLst>
-                                        </p:cTn>
-                                        <p:tgtEl>
-                                          <p:spTgt spid="985091"/>
-                                        </p:tgtEl>
-                                        <p:attrNameLst>
-                                          <p:attrName>style.visibility</p:attrName>
-                                        </p:attrNameLst>
-                                      </p:cBhvr>
-                                      <p:to>
-                                        <p:strVal val="visible"/>
-                                      </p:to>
-                                    </p:set>
-                                    <p:animEffect transition="in" filter="fade">
-                                      <p:cBhvr>
-                                        <p:cTn id="7" dur="500"/>
-                                        <p:tgtEl>
-                                          <p:spTgt spid="985091"/>
-                                        </p:tgtEl>
-                                      </p:cBhvr>
-                                    </p:animEffect>
-                                  </p:childTnLst>
-                                </p:cTn>
-                              </p:par>
-                            </p:childTnLst>
-                          </p:cTn>
-                        </p:par>
-                      </p:childTnLst>
-                    </p:cTn>
-                  </p:par>
-                </p:childTnLst>
-              </p:cTn>
-              <p:prevCondLst>
-                <p:cond evt="onPrev" delay="0">
-                  <p:tgtEl>
-                    <p:sldTgt/>
-                  </p:tgtEl>
-                </p:cond>
-              </p:prevCondLst>
-              <p:nextCondLst>
-                <p:cond evt="onNext" delay="0">
-                  <p:tgtEl>
-                    <p:sldTgt/>
-                  </p:tgtEl>
-                </p:cond>
-              </p:nextCondLst>
-            </p:seq>
-          </p:childTnLst>
-        </p:cTn>
-      </p:par>
-    </p:tnLst>
-  </p:timing>
 </p:sld>
 </file>
 
